--- a/05.system_call/syscall.pptx
+++ b/05.system_call/syscall.pptx
@@ -244,7 +244,7 @@
           <a:p>
             <a:fld id="{EDFD7BD4-3D2B-46E3-ADFC-86C63E3E7D8F}" type="datetimeFigureOut">
               <a:rPr lang="ko-KR" altLang="en-US" smtClean="0"/>
-              <a:t>2022-01-26</a:t>
+              <a:t>2022-01-27</a:t>
             </a:fld>
             <a:endParaRPr lang="ko-KR" altLang="en-US"/>
           </a:p>
@@ -414,7 +414,7 @@
           <a:p>
             <a:fld id="{EDFD7BD4-3D2B-46E3-ADFC-86C63E3E7D8F}" type="datetimeFigureOut">
               <a:rPr lang="ko-KR" altLang="en-US" smtClean="0"/>
-              <a:t>2022-01-26</a:t>
+              <a:t>2022-01-27</a:t>
             </a:fld>
             <a:endParaRPr lang="ko-KR" altLang="en-US"/>
           </a:p>
@@ -594,7 +594,7 @@
           <a:p>
             <a:fld id="{EDFD7BD4-3D2B-46E3-ADFC-86C63E3E7D8F}" type="datetimeFigureOut">
               <a:rPr lang="ko-KR" altLang="en-US" smtClean="0"/>
-              <a:t>2022-01-26</a:t>
+              <a:t>2022-01-27</a:t>
             </a:fld>
             <a:endParaRPr lang="ko-KR" altLang="en-US"/>
           </a:p>
@@ -764,7 +764,7 @@
           <a:p>
             <a:fld id="{EDFD7BD4-3D2B-46E3-ADFC-86C63E3E7D8F}" type="datetimeFigureOut">
               <a:rPr lang="ko-KR" altLang="en-US" smtClean="0"/>
-              <a:t>2022-01-26</a:t>
+              <a:t>2022-01-27</a:t>
             </a:fld>
             <a:endParaRPr lang="ko-KR" altLang="en-US"/>
           </a:p>
@@ -1008,7 +1008,7 @@
           <a:p>
             <a:fld id="{EDFD7BD4-3D2B-46E3-ADFC-86C63E3E7D8F}" type="datetimeFigureOut">
               <a:rPr lang="ko-KR" altLang="en-US" smtClean="0"/>
-              <a:t>2022-01-26</a:t>
+              <a:t>2022-01-27</a:t>
             </a:fld>
             <a:endParaRPr lang="ko-KR" altLang="en-US"/>
           </a:p>
@@ -1240,7 +1240,7 @@
           <a:p>
             <a:fld id="{EDFD7BD4-3D2B-46E3-ADFC-86C63E3E7D8F}" type="datetimeFigureOut">
               <a:rPr lang="ko-KR" altLang="en-US" smtClean="0"/>
-              <a:t>2022-01-26</a:t>
+              <a:t>2022-01-27</a:t>
             </a:fld>
             <a:endParaRPr lang="ko-KR" altLang="en-US"/>
           </a:p>
@@ -1607,7 +1607,7 @@
           <a:p>
             <a:fld id="{EDFD7BD4-3D2B-46E3-ADFC-86C63E3E7D8F}" type="datetimeFigureOut">
               <a:rPr lang="ko-KR" altLang="en-US" smtClean="0"/>
-              <a:t>2022-01-26</a:t>
+              <a:t>2022-01-27</a:t>
             </a:fld>
             <a:endParaRPr lang="ko-KR" altLang="en-US"/>
           </a:p>
@@ -1725,7 +1725,7 @@
           <a:p>
             <a:fld id="{EDFD7BD4-3D2B-46E3-ADFC-86C63E3E7D8F}" type="datetimeFigureOut">
               <a:rPr lang="ko-KR" altLang="en-US" smtClean="0"/>
-              <a:t>2022-01-26</a:t>
+              <a:t>2022-01-27</a:t>
             </a:fld>
             <a:endParaRPr lang="ko-KR" altLang="en-US"/>
           </a:p>
@@ -1820,7 +1820,7 @@
           <a:p>
             <a:fld id="{EDFD7BD4-3D2B-46E3-ADFC-86C63E3E7D8F}" type="datetimeFigureOut">
               <a:rPr lang="ko-KR" altLang="en-US" smtClean="0"/>
-              <a:t>2022-01-26</a:t>
+              <a:t>2022-01-27</a:t>
             </a:fld>
             <a:endParaRPr lang="ko-KR" altLang="en-US"/>
           </a:p>
@@ -2097,7 +2097,7 @@
           <a:p>
             <a:fld id="{EDFD7BD4-3D2B-46E3-ADFC-86C63E3E7D8F}" type="datetimeFigureOut">
               <a:rPr lang="ko-KR" altLang="en-US" smtClean="0"/>
-              <a:t>2022-01-26</a:t>
+              <a:t>2022-01-27</a:t>
             </a:fld>
             <a:endParaRPr lang="ko-KR" altLang="en-US"/>
           </a:p>
@@ -2354,7 +2354,7 @@
           <a:p>
             <a:fld id="{EDFD7BD4-3D2B-46E3-ADFC-86C63E3E7D8F}" type="datetimeFigureOut">
               <a:rPr lang="ko-KR" altLang="en-US" smtClean="0"/>
-              <a:t>2022-01-26</a:t>
+              <a:t>2022-01-27</a:t>
             </a:fld>
             <a:endParaRPr lang="ko-KR" altLang="en-US"/>
           </a:p>
@@ -2567,7 +2567,7 @@
           <a:p>
             <a:fld id="{EDFD7BD4-3D2B-46E3-ADFC-86C63E3E7D8F}" type="datetimeFigureOut">
               <a:rPr lang="ko-KR" altLang="en-US" smtClean="0"/>
-              <a:t>2022-01-26</a:t>
+              <a:t>2022-01-27</a:t>
             </a:fld>
             <a:endParaRPr lang="ko-KR" altLang="en-US"/>
           </a:p>
@@ -6015,190 +6015,6 @@
       </p:sp>
       <p:sp>
         <p:nvSpPr>
-          <p:cNvPr id="8" name="직사각형 7"/>
-          <p:cNvSpPr/>
-          <p:nvPr/>
-        </p:nvSpPr>
-        <p:spPr>
-          <a:xfrm>
-            <a:off x="3041655" y="701675"/>
-            <a:ext cx="2146742" cy="246221"/>
-          </a:xfrm>
-          <a:prstGeom prst="rect">
-            <a:avLst/>
-          </a:prstGeom>
-          <a:solidFill>
-            <a:schemeClr val="accent1">
-              <a:lumMod val="60000"/>
-              <a:lumOff val="40000"/>
-            </a:schemeClr>
-          </a:solidFill>
-        </p:spPr>
-        <p:txBody>
-          <a:bodyPr wrap="none">
-            <a:spAutoFit/>
-          </a:bodyPr>
-          <a:lstStyle/>
-          <a:p>
-            <a:r>
-              <a:rPr lang="en-US" altLang="ko-KR" sz="1000" dirty="0" smtClean="0"/>
-              <a:t>ULIB = </a:t>
-            </a:r>
-            <a:r>
-              <a:rPr lang="en-US" altLang="ko-KR" sz="1000" dirty="0" err="1" smtClean="0"/>
-              <a:t>ulib.o</a:t>
-            </a:r>
-            <a:r>
-              <a:rPr lang="en-US" altLang="ko-KR" sz="1000" dirty="0" smtClean="0"/>
-              <a:t> </a:t>
-            </a:r>
-            <a:r>
-              <a:rPr lang="en-US" altLang="ko-KR" sz="1000" dirty="0" err="1" smtClean="0"/>
-              <a:t>usys.o</a:t>
-            </a:r>
-            <a:r>
-              <a:rPr lang="en-US" altLang="ko-KR" sz="1000" dirty="0" smtClean="0"/>
-              <a:t> </a:t>
-            </a:r>
-            <a:r>
-              <a:rPr lang="en-US" altLang="ko-KR" sz="1000" dirty="0" err="1" smtClean="0"/>
-              <a:t>printf.o</a:t>
-            </a:r>
-            <a:r>
-              <a:rPr lang="en-US" altLang="ko-KR" sz="1000" dirty="0" smtClean="0"/>
-              <a:t> </a:t>
-            </a:r>
-            <a:r>
-              <a:rPr lang="en-US" altLang="ko-KR" sz="1000" dirty="0" err="1" smtClean="0"/>
-              <a:t>umalloc.o</a:t>
-            </a:r>
-            <a:endParaRPr lang="ko-KR" altLang="en-US" sz="1000" dirty="0"/>
-          </a:p>
-        </p:txBody>
-      </p:sp>
-      <p:sp>
-        <p:nvSpPr>
-          <p:cNvPr id="10" name="TextBox 9"/>
-          <p:cNvSpPr txBox="1"/>
-          <p:nvPr/>
-        </p:nvSpPr>
-        <p:spPr>
-          <a:xfrm>
-            <a:off x="3060090" y="1169690"/>
-            <a:ext cx="2109873" cy="1015663"/>
-          </a:xfrm>
-          <a:prstGeom prst="rect">
-            <a:avLst/>
-          </a:prstGeom>
-          <a:solidFill>
-            <a:schemeClr val="accent1">
-              <a:lumMod val="60000"/>
-              <a:lumOff val="40000"/>
-            </a:schemeClr>
-          </a:solidFill>
-        </p:spPr>
-        <p:txBody>
-          <a:bodyPr wrap="none" rtlCol="0">
-            <a:spAutoFit/>
-          </a:bodyPr>
-          <a:lstStyle/>
-          <a:p>
-            <a:r>
-              <a:rPr lang="en-US" altLang="ko-KR" sz="1000" dirty="0" smtClean="0"/>
-              <a:t>void </a:t>
-            </a:r>
-            <a:r>
-              <a:rPr lang="en-US" altLang="ko-KR" sz="1000" dirty="0" err="1" smtClean="0"/>
-              <a:t>printf</a:t>
-            </a:r>
-            <a:r>
-              <a:rPr lang="en-US" altLang="ko-KR" sz="1000" dirty="0" smtClean="0"/>
-              <a:t>(</a:t>
-            </a:r>
-            <a:r>
-              <a:rPr lang="en-US" altLang="ko-KR" sz="1000" dirty="0" err="1" smtClean="0"/>
-              <a:t>int</a:t>
-            </a:r>
-            <a:r>
-              <a:rPr lang="en-US" altLang="ko-KR" sz="1000" dirty="0" smtClean="0"/>
-              <a:t> </a:t>
-            </a:r>
-            <a:r>
-              <a:rPr lang="en-US" altLang="ko-KR" sz="1000" dirty="0" err="1" smtClean="0"/>
-              <a:t>fd</a:t>
-            </a:r>
-            <a:r>
-              <a:rPr lang="en-US" altLang="ko-KR" sz="1000" dirty="0" smtClean="0"/>
-              <a:t>, </a:t>
-            </a:r>
-            <a:r>
-              <a:rPr lang="en-US" altLang="ko-KR" sz="1000" dirty="0" err="1" smtClean="0"/>
-              <a:t>const</a:t>
-            </a:r>
-            <a:r>
-              <a:rPr lang="en-US" altLang="ko-KR" sz="1000" dirty="0" smtClean="0"/>
-              <a:t> char *</a:t>
-            </a:r>
-            <a:r>
-              <a:rPr lang="en-US" altLang="ko-KR" sz="1000" dirty="0" err="1" smtClean="0"/>
-              <a:t>fmt</a:t>
-            </a:r>
-            <a:r>
-              <a:rPr lang="en-US" altLang="ko-KR" sz="1000" dirty="0" smtClean="0"/>
-              <a:t>, ...)</a:t>
-            </a:r>
-          </a:p>
-          <a:p>
-            <a:r>
-              <a:rPr lang="en-US" altLang="ko-KR" sz="1000" dirty="0" smtClean="0"/>
-              <a:t>{ …</a:t>
-            </a:r>
-          </a:p>
-          <a:p>
-            <a:r>
-              <a:rPr lang="en-US" altLang="ko-KR" sz="1000" dirty="0" smtClean="0"/>
-              <a:t>   while(*s != 0){</a:t>
-            </a:r>
-          </a:p>
-          <a:p>
-            <a:r>
-              <a:rPr lang="en-US" altLang="ko-KR" sz="1000" dirty="0" smtClean="0"/>
-              <a:t>          </a:t>
-            </a:r>
-            <a:r>
-              <a:rPr lang="en-US" altLang="ko-KR" sz="1000" dirty="0" err="1" smtClean="0"/>
-              <a:t>putc</a:t>
-            </a:r>
-            <a:r>
-              <a:rPr lang="en-US" altLang="ko-KR" sz="1000" dirty="0" smtClean="0"/>
-              <a:t>(</a:t>
-            </a:r>
-            <a:r>
-              <a:rPr lang="en-US" altLang="ko-KR" sz="1000" dirty="0" err="1" smtClean="0"/>
-              <a:t>fd</a:t>
-            </a:r>
-            <a:r>
-              <a:rPr lang="en-US" altLang="ko-KR" sz="1000" dirty="0" smtClean="0"/>
-              <a:t>, *s);   s++;</a:t>
-            </a:r>
-          </a:p>
-          <a:p>
-            <a:r>
-              <a:rPr lang="en-US" altLang="ko-KR" sz="1000" dirty="0" smtClean="0"/>
-              <a:t>      }</a:t>
-            </a:r>
-          </a:p>
-          <a:p>
-            <a:r>
-              <a:rPr lang="en-US" altLang="ko-KR" sz="1000" dirty="0" smtClean="0"/>
-              <a:t>}</a:t>
-            </a:r>
-            <a:endParaRPr lang="ko-KR" altLang="en-US" sz="1000" dirty="0"/>
-          </a:p>
-        </p:txBody>
-      </p:sp>
-      <p:sp>
-        <p:nvSpPr>
           <p:cNvPr id="12" name="오른쪽 화살표 11"/>
           <p:cNvSpPr/>
           <p:nvPr/>
@@ -6245,7 +6061,7 @@
         </p:nvSpPr>
         <p:spPr>
           <a:xfrm>
-            <a:off x="3041655" y="298876"/>
+            <a:off x="3054997" y="1359553"/>
             <a:ext cx="977768" cy="369332"/>
           </a:xfrm>
           <a:prstGeom prst="rect">
@@ -6275,8 +6091,8 @@
         </p:nvSpPr>
         <p:spPr>
           <a:xfrm>
-            <a:off x="370113" y="2274674"/>
-            <a:ext cx="1955896" cy="861774"/>
+            <a:off x="3053575" y="1941281"/>
+            <a:ext cx="1090044" cy="246221"/>
           </a:xfrm>
           <a:prstGeom prst="rect">
             <a:avLst/>
@@ -6292,62 +6108,6 @@
           <a:lstStyle/>
           <a:p>
             <a:r>
-              <a:rPr lang="en-US" altLang="ko-KR" sz="1000" dirty="0" smtClean="0"/>
-              <a:t>#</a:t>
-            </a:r>
-            <a:r>
-              <a:rPr lang="en-US" altLang="ko-KR" sz="1000" dirty="0" smtClean="0"/>
-              <a:t>define SYSCALL(name) \</a:t>
-            </a:r>
-          </a:p>
-          <a:p>
-            <a:r>
-              <a:rPr lang="en-US" altLang="ko-KR" sz="1000" dirty="0" smtClean="0"/>
-              <a:t>  .</a:t>
-            </a:r>
-            <a:r>
-              <a:rPr lang="en-US" altLang="ko-KR" sz="1000" dirty="0" err="1" smtClean="0"/>
-              <a:t>globl</a:t>
-            </a:r>
-            <a:r>
-              <a:rPr lang="en-US" altLang="ko-KR" sz="1000" dirty="0" smtClean="0"/>
-              <a:t> name; \</a:t>
-            </a:r>
-          </a:p>
-          <a:p>
-            <a:r>
-              <a:rPr lang="en-US" altLang="ko-KR" sz="1000" dirty="0" smtClean="0"/>
-              <a:t>  name: \</a:t>
-            </a:r>
-          </a:p>
-          <a:p>
-            <a:r>
-              <a:rPr lang="en-US" altLang="ko-KR" sz="1000" dirty="0" smtClean="0"/>
-              <a:t>    </a:t>
-            </a:r>
-            <a:r>
-              <a:rPr lang="en-US" altLang="ko-KR" sz="1000" dirty="0" err="1" smtClean="0"/>
-              <a:t>movl</a:t>
-            </a:r>
-            <a:r>
-              <a:rPr lang="en-US" altLang="ko-KR" sz="1000" dirty="0" smtClean="0"/>
-              <a:t> $SYS_ ## name, %</a:t>
-            </a:r>
-            <a:r>
-              <a:rPr lang="en-US" altLang="ko-KR" sz="1000" dirty="0" err="1" smtClean="0"/>
-              <a:t>eax</a:t>
-            </a:r>
-            <a:r>
-              <a:rPr lang="en-US" altLang="ko-KR" sz="1000" dirty="0" smtClean="0"/>
-              <a:t>; \</a:t>
-            </a:r>
-          </a:p>
-          <a:p>
-            <a:r>
-              <a:rPr lang="en-US" altLang="ko-KR" sz="1000" dirty="0" smtClean="0"/>
-              <a:t>    </a:t>
-            </a:r>
-            <a:r>
               <a:rPr lang="en-US" altLang="ko-KR" sz="1000" dirty="0" err="1" smtClean="0">
                 <a:solidFill>
                   <a:srgbClr val="FF0000"/>
@@ -6361,17 +6121,20 @@
                   <a:srgbClr val="FF0000"/>
                 </a:solidFill>
               </a:rPr>
-              <a:t> $T_SYSCALL</a:t>
-            </a:r>
-            <a:r>
-              <a:rPr lang="en-US" altLang="ko-KR" sz="1000" dirty="0" smtClean="0"/>
-              <a:t>; </a:t>
-            </a:r>
-            <a:r>
-              <a:rPr lang="en-US" altLang="ko-KR" sz="1000" dirty="0" smtClean="0"/>
-              <a:t>\</a:t>
-            </a:r>
-            <a:endParaRPr lang="en-US" altLang="ko-KR" sz="1000" dirty="0" smtClean="0"/>
+              <a:t> </a:t>
+            </a:r>
+            <a:r>
+              <a:rPr lang="en-US" altLang="ko-KR" sz="1000" dirty="0" smtClean="0">
+                <a:solidFill>
+                  <a:srgbClr val="FF0000"/>
+                </a:solidFill>
+              </a:rPr>
+              <a:t>$T_SYSCALL</a:t>
+            </a:r>
+            <a:r>
+              <a:rPr lang="en-US" altLang="ko-KR" sz="1000" dirty="0" smtClean="0"/>
+              <a:t>; \</a:t>
+            </a:r>
           </a:p>
         </p:txBody>
       </p:sp>
@@ -6383,8 +6146,8 @@
         </p:nvCxnSpPr>
         <p:spPr>
           <a:xfrm>
-            <a:off x="2406931" y="2784868"/>
-            <a:ext cx="6519066" cy="0"/>
+            <a:off x="355600" y="2784868"/>
+            <a:ext cx="8570397" cy="0"/>
           </a:xfrm>
           <a:prstGeom prst="line">
             <a:avLst/>
@@ -6419,7 +6182,7 @@
         </p:nvSpPr>
         <p:spPr>
           <a:xfrm>
-            <a:off x="4811248" y="2304940"/>
+            <a:off x="3364997" y="2215939"/>
             <a:ext cx="855216" cy="801242"/>
           </a:xfrm>
           <a:prstGeom prst="downArrow">
@@ -6462,7 +6225,7 @@
         </p:nvSpPr>
         <p:spPr>
           <a:xfrm>
-            <a:off x="5530638" y="701675"/>
+            <a:off x="4060318" y="880444"/>
             <a:ext cx="2279791" cy="923330"/>
           </a:xfrm>
           <a:prstGeom prst="rect">
@@ -6583,7 +6346,7 @@
         </p:nvSpPr>
         <p:spPr>
           <a:xfrm>
-            <a:off x="5532574" y="298876"/>
+            <a:off x="4062254" y="477645"/>
             <a:ext cx="2028697" cy="369332"/>
           </a:xfrm>
           <a:prstGeom prst="rect">
@@ -6621,8 +6384,8 @@
         </p:nvSpPr>
         <p:spPr>
           <a:xfrm>
-            <a:off x="2507030" y="3106182"/>
-            <a:ext cx="6170195" cy="246221"/>
+            <a:off x="1424339" y="3046782"/>
+            <a:ext cx="4451687" cy="246221"/>
           </a:xfrm>
           <a:prstGeom prst="rect">
             <a:avLst/>
@@ -6703,7 +6466,6 @@
               <a:rPr lang="en-US" altLang="ko-KR" sz="1200" dirty="0" smtClean="0"/>
               <a:t>trap</a:t>
             </a:r>
-            <a:endParaRPr lang="en-US" altLang="ko-KR" sz="1200" dirty="0" smtClean="0"/>
           </a:p>
         </p:txBody>
       </p:sp>
@@ -6971,13 +6733,8 @@
           <a:p>
             <a:r>
               <a:rPr lang="en-US" altLang="ko-KR" sz="1200" dirty="0" smtClean="0"/>
-              <a:t>0 ~ </a:t>
-            </a:r>
-            <a:r>
-              <a:rPr lang="en-US" altLang="ko-KR" sz="1200" dirty="0" smtClean="0"/>
-              <a:t>256</a:t>
-            </a:r>
-            <a:endParaRPr lang="en-US" altLang="ko-KR" sz="1200" dirty="0" smtClean="0"/>
+              <a:t>0 ~ 256</a:t>
+            </a:r>
           </a:p>
         </p:txBody>
       </p:sp>
@@ -7052,7 +6809,6 @@
               <a:rPr lang="en-US" altLang="ko-KR" sz="700" dirty="0" smtClean="0"/>
               <a:t>(interrupt descriptor table)</a:t>
             </a:r>
-            <a:endParaRPr lang="en-US" altLang="ko-KR" sz="700" dirty="0" smtClean="0"/>
           </a:p>
         </p:txBody>
       </p:sp>
@@ -7205,7 +6961,6 @@
               <a:rPr lang="en-US" altLang="ko-KR" sz="700" dirty="0" smtClean="0"/>
               <a:t>(Global Descript table)</a:t>
             </a:r>
-            <a:endParaRPr lang="en-US" altLang="ko-KR" sz="700" dirty="0" smtClean="0"/>
           </a:p>
         </p:txBody>
       </p:sp>
@@ -8339,6 +8094,131 @@
           </a:fontRef>
         </p:style>
       </p:cxnSp>
+      <p:pic>
+        <p:nvPicPr>
+          <p:cNvPr id="2" name="그림 1"/>
+          <p:cNvPicPr>
+            <a:picLocks noChangeAspect="1"/>
+          </p:cNvPicPr>
+          <p:nvPr/>
+        </p:nvPicPr>
+        <p:blipFill>
+          <a:blip r:embed="rId4"/>
+          <a:stretch>
+            <a:fillRect/>
+          </a:stretch>
+        </p:blipFill>
+        <p:spPr>
+          <a:xfrm>
+            <a:off x="7057641" y="709743"/>
+            <a:ext cx="1895909" cy="2686385"/>
+          </a:xfrm>
+          <a:prstGeom prst="rect">
+            <a:avLst/>
+          </a:prstGeom>
+        </p:spPr>
+      </p:pic>
+      <p:sp>
+        <p:nvSpPr>
+          <p:cNvPr id="4" name="직사각형 3"/>
+          <p:cNvSpPr/>
+          <p:nvPr/>
+        </p:nvSpPr>
+        <p:spPr>
+          <a:xfrm>
+            <a:off x="3118017" y="1314072"/>
+            <a:ext cx="853472" cy="490505"/>
+          </a:xfrm>
+          <a:prstGeom prst="rect">
+            <a:avLst/>
+          </a:prstGeom>
+          <a:noFill/>
+        </p:spPr>
+        <p:style>
+          <a:lnRef idx="2">
+            <a:schemeClr val="accent1">
+              <a:shade val="50000"/>
+            </a:schemeClr>
+          </a:lnRef>
+          <a:fillRef idx="1">
+            <a:schemeClr val="accent1"/>
+          </a:fillRef>
+          <a:effectRef idx="0">
+            <a:schemeClr val="accent1"/>
+          </a:effectRef>
+          <a:fontRef idx="minor">
+            <a:schemeClr val="lt1"/>
+          </a:fontRef>
+        </p:style>
+        <p:txBody>
+          <a:bodyPr rtlCol="0" anchor="ctr"/>
+          <a:lstStyle/>
+          <a:p>
+            <a:pPr algn="ctr"/>
+            <a:endParaRPr lang="ko-KR" altLang="en-US"/>
+          </a:p>
+        </p:txBody>
+      </p:sp>
+      <p:sp>
+        <p:nvSpPr>
+          <p:cNvPr id="52" name="TextBox 51"/>
+          <p:cNvSpPr txBox="1"/>
+          <p:nvPr/>
+        </p:nvSpPr>
+        <p:spPr>
+          <a:xfrm>
+            <a:off x="7003384" y="392745"/>
+            <a:ext cx="612668" cy="369332"/>
+          </a:xfrm>
+          <a:prstGeom prst="rect">
+            <a:avLst/>
+          </a:prstGeom>
+          <a:noFill/>
+        </p:spPr>
+        <p:txBody>
+          <a:bodyPr wrap="none" rtlCol="0">
+            <a:spAutoFit/>
+          </a:bodyPr>
+          <a:lstStyle/>
+          <a:p>
+            <a:r>
+              <a:rPr lang="en-US" altLang="ko-KR" dirty="0" smtClean="0"/>
+              <a:t>DDD</a:t>
+            </a:r>
+            <a:endParaRPr lang="ko-KR" altLang="en-US" dirty="0"/>
+          </a:p>
+        </p:txBody>
+      </p:sp>
+      <p:sp>
+        <p:nvSpPr>
+          <p:cNvPr id="58" name="TextBox 57"/>
+          <p:cNvSpPr txBox="1"/>
+          <p:nvPr/>
+        </p:nvSpPr>
+        <p:spPr>
+          <a:xfrm>
+            <a:off x="5900501" y="1841378"/>
+            <a:ext cx="394660" cy="276999"/>
+          </a:xfrm>
+          <a:prstGeom prst="rect">
+            <a:avLst/>
+          </a:prstGeom>
+          <a:noFill/>
+        </p:spPr>
+        <p:txBody>
+          <a:bodyPr wrap="none" rtlCol="0">
+            <a:spAutoFit/>
+          </a:bodyPr>
+          <a:lstStyle/>
+          <a:p>
+            <a:r>
+              <a:rPr lang="en-US" altLang="ko-KR" sz="1200" dirty="0" smtClean="0"/>
+              <a:t>ELF</a:t>
+            </a:r>
+            <a:endParaRPr lang="en-US" altLang="ko-KR" sz="1200" dirty="0" smtClean="0"/>
+          </a:p>
+        </p:txBody>
+      </p:sp>
     </p:spTree>
     <p:extLst>
       <p:ext uri="{BB962C8B-B14F-4D97-AF65-F5344CB8AC3E}">

--- a/05.system_call/syscall.pptx
+++ b/05.system_call/syscall.pptx
@@ -6,7 +6,9 @@
   </p:sldMasterIdLst>
   <p:sldIdLst>
     <p:sldId id="256" r:id="rId2"/>
-    <p:sldId id="257" r:id="rId3"/>
+    <p:sldId id="259" r:id="rId3"/>
+    <p:sldId id="257" r:id="rId4"/>
+    <p:sldId id="258" r:id="rId5"/>
   </p:sldIdLst>
   <p:sldSz cx="9144000" cy="6858000" type="screen4x3"/>
   <p:notesSz cx="6858000" cy="9144000"/>
@@ -5748,24 +5750,79 @@
       </p:grpSpPr>
       <p:sp>
         <p:nvSpPr>
+          <p:cNvPr id="4" name="TextBox 3"/>
+          <p:cNvSpPr txBox="1"/>
+          <p:nvPr/>
+        </p:nvSpPr>
+        <p:spPr>
+          <a:xfrm>
+            <a:off x="3451707" y="1986246"/>
+            <a:ext cx="582852" cy="369332"/>
+          </a:xfrm>
+          <a:prstGeom prst="rect">
+            <a:avLst/>
+          </a:prstGeom>
+          <a:noFill/>
+        </p:spPr>
+        <p:txBody>
+          <a:bodyPr wrap="none" rtlCol="0">
+            <a:spAutoFit/>
+          </a:bodyPr>
+          <a:lstStyle/>
+          <a:p>
+            <a:r>
+              <a:rPr lang="en-US" altLang="ko-KR" dirty="0" smtClean="0"/>
+              <a:t>GDT</a:t>
+            </a:r>
+            <a:endParaRPr lang="ko-KR" altLang="en-US" dirty="0"/>
+          </a:p>
+        </p:txBody>
+      </p:sp>
+      <p:sp>
+        <p:nvSpPr>
+          <p:cNvPr id="5" name="TextBox 4"/>
+          <p:cNvSpPr txBox="1"/>
+          <p:nvPr/>
+        </p:nvSpPr>
+        <p:spPr>
+          <a:xfrm>
+            <a:off x="4959559" y="1986246"/>
+            <a:ext cx="494687" cy="369332"/>
+          </a:xfrm>
+          <a:prstGeom prst="rect">
+            <a:avLst/>
+          </a:prstGeom>
+          <a:noFill/>
+        </p:spPr>
+        <p:txBody>
+          <a:bodyPr wrap="none" rtlCol="0">
+            <a:spAutoFit/>
+          </a:bodyPr>
+          <a:lstStyle/>
+          <a:p>
+            <a:r>
+              <a:rPr lang="en-US" altLang="ko-KR" dirty="0" smtClean="0"/>
+              <a:t>IDT</a:t>
+            </a:r>
+            <a:endParaRPr lang="ko-KR" altLang="en-US" dirty="0"/>
+          </a:p>
+        </p:txBody>
+      </p:sp>
+      <p:sp>
+        <p:nvSpPr>
           <p:cNvPr id="6" name="TextBox 5"/>
           <p:cNvSpPr txBox="1"/>
           <p:nvPr/>
         </p:nvSpPr>
         <p:spPr>
           <a:xfrm>
-            <a:off x="355600" y="701675"/>
-            <a:ext cx="2470548" cy="1477328"/>
+            <a:off x="3451707" y="3451708"/>
+            <a:ext cx="513282" cy="369332"/>
           </a:xfrm>
           <a:prstGeom prst="rect">
             <a:avLst/>
           </a:prstGeom>
-          <a:solidFill>
-            <a:schemeClr val="accent1">
-              <a:lumMod val="60000"/>
-              <a:lumOff val="40000"/>
-            </a:schemeClr>
-          </a:solidFill>
+          <a:noFill/>
         </p:spPr>
         <p:txBody>
           <a:bodyPr wrap="none" rtlCol="0">
@@ -5774,204 +5831,10 @@
           <a:lstStyle/>
           <a:p>
             <a:r>
-              <a:rPr lang="en-US" altLang="ko-KR" sz="900" dirty="0" smtClean="0"/>
-              <a:t>#include "</a:t>
-            </a:r>
-            <a:r>
-              <a:rPr lang="en-US" altLang="ko-KR" sz="900" dirty="0" err="1" smtClean="0"/>
-              <a:t>types.h</a:t>
-            </a:r>
-            <a:r>
-              <a:rPr lang="en-US" altLang="ko-KR" sz="900" dirty="0" smtClean="0"/>
-              <a:t>"</a:t>
-            </a:r>
-          </a:p>
-          <a:p>
-            <a:r>
-              <a:rPr lang="en-US" altLang="ko-KR" sz="900" dirty="0" smtClean="0"/>
-              <a:t>#include "</a:t>
-            </a:r>
-            <a:r>
-              <a:rPr lang="en-US" altLang="ko-KR" sz="900" dirty="0" err="1" smtClean="0"/>
-              <a:t>stat.h</a:t>
-            </a:r>
-            <a:r>
-              <a:rPr lang="en-US" altLang="ko-KR" sz="900" dirty="0" smtClean="0"/>
-              <a:t>"</a:t>
-            </a:r>
-          </a:p>
-          <a:p>
-            <a:r>
-              <a:rPr lang="en-US" altLang="ko-KR" sz="900" dirty="0" smtClean="0"/>
-              <a:t>#include "</a:t>
-            </a:r>
-            <a:r>
-              <a:rPr lang="en-US" altLang="ko-KR" sz="900" dirty="0" err="1" smtClean="0"/>
-              <a:t>user.h</a:t>
-            </a:r>
-            <a:r>
-              <a:rPr lang="en-US" altLang="ko-KR" sz="900" dirty="0" smtClean="0"/>
-              <a:t>"</a:t>
-            </a:r>
-          </a:p>
-          <a:p>
-            <a:r>
-              <a:rPr lang="en-US" altLang="ko-KR" sz="900" dirty="0" err="1" smtClean="0"/>
-              <a:t>int</a:t>
-            </a:r>
-            <a:r>
-              <a:rPr lang="en-US" altLang="ko-KR" sz="900" dirty="0" smtClean="0"/>
-              <a:t> main(</a:t>
-            </a:r>
-            <a:r>
-              <a:rPr lang="en-US" altLang="ko-KR" sz="900" dirty="0" err="1" smtClean="0"/>
-              <a:t>int</a:t>
-            </a:r>
-            <a:r>
-              <a:rPr lang="en-US" altLang="ko-KR" sz="900" dirty="0" smtClean="0"/>
-              <a:t> </a:t>
-            </a:r>
-            <a:r>
-              <a:rPr lang="en-US" altLang="ko-KR" sz="900" dirty="0" err="1" smtClean="0"/>
-              <a:t>argc</a:t>
-            </a:r>
-            <a:r>
-              <a:rPr lang="en-US" altLang="ko-KR" sz="900" dirty="0" smtClean="0"/>
-              <a:t>, char *</a:t>
-            </a:r>
-            <a:r>
-              <a:rPr lang="en-US" altLang="ko-KR" sz="900" dirty="0" err="1" smtClean="0"/>
-              <a:t>argv</a:t>
-            </a:r>
-            <a:r>
-              <a:rPr lang="en-US" altLang="ko-KR" sz="900" dirty="0" smtClean="0"/>
-              <a:t>[])</a:t>
-            </a:r>
-          </a:p>
-          <a:p>
-            <a:r>
-              <a:rPr lang="en-US" altLang="ko-KR" sz="900" dirty="0" smtClean="0"/>
-              <a:t>{</a:t>
-            </a:r>
-          </a:p>
-          <a:p>
-            <a:r>
-              <a:rPr lang="en-US" altLang="ko-KR" sz="900" dirty="0" smtClean="0"/>
-              <a:t>  </a:t>
-            </a:r>
-            <a:r>
-              <a:rPr lang="en-US" altLang="ko-KR" sz="900" dirty="0" err="1" smtClean="0"/>
-              <a:t>int</a:t>
-            </a:r>
-            <a:r>
-              <a:rPr lang="en-US" altLang="ko-KR" sz="900" dirty="0" smtClean="0"/>
-              <a:t> </a:t>
-            </a:r>
-            <a:r>
-              <a:rPr lang="en-US" altLang="ko-KR" sz="900" dirty="0" err="1" smtClean="0"/>
-              <a:t>i</a:t>
-            </a:r>
-            <a:r>
-              <a:rPr lang="en-US" altLang="ko-KR" sz="900" dirty="0" smtClean="0"/>
-              <a:t>;</a:t>
-            </a:r>
-          </a:p>
-          <a:p>
-            <a:r>
-              <a:rPr lang="en-US" altLang="ko-KR" sz="900" dirty="0" smtClean="0"/>
-              <a:t>  for(</a:t>
-            </a:r>
-            <a:r>
-              <a:rPr lang="en-US" altLang="ko-KR" sz="900" dirty="0" err="1" smtClean="0"/>
-              <a:t>i</a:t>
-            </a:r>
-            <a:r>
-              <a:rPr lang="en-US" altLang="ko-KR" sz="900" dirty="0" smtClean="0"/>
-              <a:t> = 1; </a:t>
-            </a:r>
-            <a:r>
-              <a:rPr lang="en-US" altLang="ko-KR" sz="900" dirty="0" err="1" smtClean="0"/>
-              <a:t>i</a:t>
-            </a:r>
-            <a:r>
-              <a:rPr lang="en-US" altLang="ko-KR" sz="900" dirty="0" smtClean="0"/>
-              <a:t> &lt; </a:t>
-            </a:r>
-            <a:r>
-              <a:rPr lang="en-US" altLang="ko-KR" sz="900" dirty="0" err="1" smtClean="0"/>
-              <a:t>argc</a:t>
-            </a:r>
-            <a:r>
-              <a:rPr lang="en-US" altLang="ko-KR" sz="900" dirty="0" smtClean="0"/>
-              <a:t>; </a:t>
-            </a:r>
-            <a:r>
-              <a:rPr lang="en-US" altLang="ko-KR" sz="900" dirty="0" err="1" smtClean="0"/>
-              <a:t>i</a:t>
-            </a:r>
-            <a:r>
-              <a:rPr lang="en-US" altLang="ko-KR" sz="900" dirty="0" smtClean="0"/>
-              <a:t>++)</a:t>
-            </a:r>
-          </a:p>
-          <a:p>
-            <a:r>
-              <a:rPr lang="en-US" altLang="ko-KR" sz="900" dirty="0" smtClean="0"/>
-              <a:t>    </a:t>
-            </a:r>
-            <a:r>
-              <a:rPr lang="en-US" altLang="ko-KR" sz="900" dirty="0" err="1" smtClean="0"/>
-              <a:t>printf</a:t>
-            </a:r>
-            <a:r>
-              <a:rPr lang="en-US" altLang="ko-KR" sz="900" dirty="0" smtClean="0"/>
-              <a:t>(1, "%</a:t>
-            </a:r>
-            <a:r>
-              <a:rPr lang="en-US" altLang="ko-KR" sz="900" dirty="0" err="1" smtClean="0"/>
-              <a:t>s%s</a:t>
-            </a:r>
-            <a:r>
-              <a:rPr lang="en-US" altLang="ko-KR" sz="900" dirty="0" smtClean="0"/>
-              <a:t>", </a:t>
-            </a:r>
-            <a:r>
-              <a:rPr lang="en-US" altLang="ko-KR" sz="900" dirty="0" err="1" smtClean="0"/>
-              <a:t>argv</a:t>
-            </a:r>
-            <a:r>
-              <a:rPr lang="en-US" altLang="ko-KR" sz="900" dirty="0" smtClean="0"/>
-              <a:t>[</a:t>
-            </a:r>
-            <a:r>
-              <a:rPr lang="en-US" altLang="ko-KR" sz="900" dirty="0" err="1" smtClean="0"/>
-              <a:t>i</a:t>
-            </a:r>
-            <a:r>
-              <a:rPr lang="en-US" altLang="ko-KR" sz="900" dirty="0" smtClean="0"/>
-              <a:t>], i+1 &lt; </a:t>
-            </a:r>
-            <a:r>
-              <a:rPr lang="en-US" altLang="ko-KR" sz="900" dirty="0" err="1" smtClean="0"/>
-              <a:t>argc</a:t>
-            </a:r>
-            <a:r>
-              <a:rPr lang="en-US" altLang="ko-KR" sz="900" dirty="0" smtClean="0"/>
-              <a:t> ? " " : "\n");</a:t>
-            </a:r>
-          </a:p>
-          <a:p>
-            <a:r>
-              <a:rPr lang="en-US" altLang="ko-KR" sz="900" dirty="0" smtClean="0"/>
-              <a:t>  exit();</a:t>
-            </a:r>
-          </a:p>
-          <a:p>
-            <a:r>
-              <a:rPr lang="en-US" altLang="ko-KR" sz="900" dirty="0" smtClean="0"/>
-              <a:t>}</a:t>
-            </a:r>
-            <a:endParaRPr lang="ko-KR" altLang="en-US" sz="900" dirty="0"/>
+              <a:rPr lang="en-US" altLang="ko-KR" dirty="0" smtClean="0"/>
+              <a:t>VM</a:t>
+            </a:r>
+            <a:endParaRPr lang="ko-KR" altLang="en-US" dirty="0"/>
           </a:p>
         </p:txBody>
       </p:sp>
@@ -5983,8 +5846,8 @@
         </p:nvSpPr>
         <p:spPr>
           <a:xfrm>
-            <a:off x="355600" y="332343"/>
-            <a:ext cx="2051331" cy="369332"/>
+            <a:off x="4959559" y="3451708"/>
+            <a:ext cx="590418" cy="369332"/>
           </a:xfrm>
           <a:prstGeom prst="rect">
             <a:avLst/>
@@ -5999,15 +5862,7 @@
           <a:p>
             <a:r>
               <a:rPr lang="en-US" altLang="ko-KR" dirty="0" smtClean="0"/>
-              <a:t>Application (</a:t>
-            </a:r>
-            <a:r>
-              <a:rPr lang="en-US" altLang="ko-KR" dirty="0" err="1" smtClean="0"/>
-              <a:t>echo.c</a:t>
-            </a:r>
-            <a:r>
-              <a:rPr lang="en-US" altLang="ko-KR" dirty="0" smtClean="0"/>
-              <a:t>)</a:t>
+              <a:t>Trap</a:t>
             </a:r>
             <a:endParaRPr lang="ko-KR" altLang="en-US" dirty="0"/>
           </a:p>
@@ -6015,18 +5870,19 @@
       </p:sp>
       <p:sp>
         <p:nvSpPr>
-          <p:cNvPr id="12" name="오른쪽 화살표 11"/>
+          <p:cNvPr id="8" name="직사각형 7"/>
           <p:cNvSpPr/>
           <p:nvPr/>
         </p:nvSpPr>
         <p:spPr>
           <a:xfrm>
-            <a:off x="2826148" y="1440339"/>
-            <a:ext cx="233942" cy="237182"/>
-          </a:xfrm>
-          <a:prstGeom prst="rightArrow">
+            <a:off x="3197372" y="1877245"/>
+            <a:ext cx="2846145" cy="593451"/>
+          </a:xfrm>
+          <a:prstGeom prst="rect">
             <a:avLst/>
           </a:prstGeom>
+          <a:noFill/>
         </p:spPr>
         <p:style>
           <a:lnRef idx="2">
@@ -6055,6 +5911,425 @@
       </p:sp>
       <p:sp>
         <p:nvSpPr>
+          <p:cNvPr id="9" name="직사각형 8"/>
+          <p:cNvSpPr/>
+          <p:nvPr/>
+        </p:nvSpPr>
+        <p:spPr>
+          <a:xfrm>
+            <a:off x="3451707" y="1544185"/>
+            <a:ext cx="647953" cy="2785589"/>
+          </a:xfrm>
+          <a:prstGeom prst="rect">
+            <a:avLst/>
+          </a:prstGeom>
+          <a:noFill/>
+        </p:spPr>
+        <p:style>
+          <a:lnRef idx="2">
+            <a:schemeClr val="accent1">
+              <a:shade val="50000"/>
+            </a:schemeClr>
+          </a:lnRef>
+          <a:fillRef idx="1">
+            <a:schemeClr val="accent1"/>
+          </a:fillRef>
+          <a:effectRef idx="0">
+            <a:schemeClr val="accent1"/>
+          </a:effectRef>
+          <a:fontRef idx="minor">
+            <a:schemeClr val="lt1"/>
+          </a:fontRef>
+        </p:style>
+        <p:txBody>
+          <a:bodyPr rtlCol="0" anchor="ctr"/>
+          <a:lstStyle/>
+          <a:p>
+            <a:pPr algn="ctr"/>
+            <a:endParaRPr lang="ko-KR" altLang="en-US"/>
+          </a:p>
+        </p:txBody>
+      </p:sp>
+      <p:sp>
+        <p:nvSpPr>
+          <p:cNvPr id="10" name="직사각형 9"/>
+          <p:cNvSpPr/>
+          <p:nvPr/>
+        </p:nvSpPr>
+        <p:spPr>
+          <a:xfrm>
+            <a:off x="4953503" y="1544185"/>
+            <a:ext cx="647953" cy="2785589"/>
+          </a:xfrm>
+          <a:prstGeom prst="rect">
+            <a:avLst/>
+          </a:prstGeom>
+          <a:noFill/>
+        </p:spPr>
+        <p:style>
+          <a:lnRef idx="2">
+            <a:schemeClr val="accent1">
+              <a:shade val="50000"/>
+            </a:schemeClr>
+          </a:lnRef>
+          <a:fillRef idx="1">
+            <a:schemeClr val="accent1"/>
+          </a:fillRef>
+          <a:effectRef idx="0">
+            <a:schemeClr val="accent1"/>
+          </a:effectRef>
+          <a:fontRef idx="minor">
+            <a:schemeClr val="lt1"/>
+          </a:fontRef>
+        </p:style>
+        <p:txBody>
+          <a:bodyPr rtlCol="0" anchor="ctr"/>
+          <a:lstStyle/>
+          <a:p>
+            <a:pPr algn="ctr"/>
+            <a:endParaRPr lang="ko-KR" altLang="en-US"/>
+          </a:p>
+        </p:txBody>
+      </p:sp>
+    </p:spTree>
+    <p:extLst>
+      <p:ext uri="{BB962C8B-B14F-4D97-AF65-F5344CB8AC3E}">
+        <p14:creationId xmlns:p14="http://schemas.microsoft.com/office/powerpoint/2010/main" val="964923388"/>
+      </p:ext>
+    </p:extLst>
+  </p:cSld>
+  <p:clrMapOvr>
+    <a:masterClrMapping/>
+  </p:clrMapOvr>
+</p:sld>
+</file>
+
+<file path=ppt/slides/slide3.xml><?xml version="1.0" encoding="utf-8"?>
+<p:sld xmlns:a="http://schemas.openxmlformats.org/drawingml/2006/main" xmlns:r="http://schemas.openxmlformats.org/officeDocument/2006/relationships" xmlns:p="http://schemas.openxmlformats.org/presentationml/2006/main">
+  <p:cSld>
+    <p:spTree>
+      <p:nvGrpSpPr>
+        <p:cNvPr id="1" name=""/>
+        <p:cNvGrpSpPr/>
+        <p:nvPr/>
+      </p:nvGrpSpPr>
+      <p:grpSpPr>
+        <a:xfrm>
+          <a:off x="0" y="0"/>
+          <a:ext cx="0" cy="0"/>
+          <a:chOff x="0" y="0"/>
+          <a:chExt cx="0" cy="0"/>
+        </a:xfrm>
+      </p:grpSpPr>
+      <p:sp>
+        <p:nvSpPr>
+          <p:cNvPr id="6" name="TextBox 5"/>
+          <p:cNvSpPr txBox="1"/>
+          <p:nvPr/>
+        </p:nvSpPr>
+        <p:spPr>
+          <a:xfrm>
+            <a:off x="355600" y="701675"/>
+            <a:ext cx="2470548" cy="1477328"/>
+          </a:xfrm>
+          <a:prstGeom prst="rect">
+            <a:avLst/>
+          </a:prstGeom>
+          <a:solidFill>
+            <a:schemeClr val="accent1">
+              <a:lumMod val="60000"/>
+              <a:lumOff val="40000"/>
+            </a:schemeClr>
+          </a:solidFill>
+        </p:spPr>
+        <p:txBody>
+          <a:bodyPr wrap="none" rtlCol="0">
+            <a:spAutoFit/>
+          </a:bodyPr>
+          <a:lstStyle/>
+          <a:p>
+            <a:r>
+              <a:rPr lang="en-US" altLang="ko-KR" sz="900" dirty="0" smtClean="0"/>
+              <a:t>#include "</a:t>
+            </a:r>
+            <a:r>
+              <a:rPr lang="en-US" altLang="ko-KR" sz="900" dirty="0" err="1" smtClean="0"/>
+              <a:t>types.h</a:t>
+            </a:r>
+            <a:r>
+              <a:rPr lang="en-US" altLang="ko-KR" sz="900" dirty="0" smtClean="0"/>
+              <a:t>"</a:t>
+            </a:r>
+          </a:p>
+          <a:p>
+            <a:r>
+              <a:rPr lang="en-US" altLang="ko-KR" sz="900" dirty="0" smtClean="0"/>
+              <a:t>#include "</a:t>
+            </a:r>
+            <a:r>
+              <a:rPr lang="en-US" altLang="ko-KR" sz="900" dirty="0" err="1" smtClean="0"/>
+              <a:t>stat.h</a:t>
+            </a:r>
+            <a:r>
+              <a:rPr lang="en-US" altLang="ko-KR" sz="900" dirty="0" smtClean="0"/>
+              <a:t>"</a:t>
+            </a:r>
+          </a:p>
+          <a:p>
+            <a:r>
+              <a:rPr lang="en-US" altLang="ko-KR" sz="900" dirty="0" smtClean="0"/>
+              <a:t>#include "</a:t>
+            </a:r>
+            <a:r>
+              <a:rPr lang="en-US" altLang="ko-KR" sz="900" dirty="0" err="1" smtClean="0"/>
+              <a:t>user.h</a:t>
+            </a:r>
+            <a:r>
+              <a:rPr lang="en-US" altLang="ko-KR" sz="900" dirty="0" smtClean="0"/>
+              <a:t>"</a:t>
+            </a:r>
+          </a:p>
+          <a:p>
+            <a:r>
+              <a:rPr lang="en-US" altLang="ko-KR" sz="900" dirty="0" err="1" smtClean="0"/>
+              <a:t>int</a:t>
+            </a:r>
+            <a:r>
+              <a:rPr lang="en-US" altLang="ko-KR" sz="900" dirty="0" smtClean="0"/>
+              <a:t> main(</a:t>
+            </a:r>
+            <a:r>
+              <a:rPr lang="en-US" altLang="ko-KR" sz="900" dirty="0" err="1" smtClean="0"/>
+              <a:t>int</a:t>
+            </a:r>
+            <a:r>
+              <a:rPr lang="en-US" altLang="ko-KR" sz="900" dirty="0" smtClean="0"/>
+              <a:t> </a:t>
+            </a:r>
+            <a:r>
+              <a:rPr lang="en-US" altLang="ko-KR" sz="900" dirty="0" err="1" smtClean="0"/>
+              <a:t>argc</a:t>
+            </a:r>
+            <a:r>
+              <a:rPr lang="en-US" altLang="ko-KR" sz="900" dirty="0" smtClean="0"/>
+              <a:t>, char *</a:t>
+            </a:r>
+            <a:r>
+              <a:rPr lang="en-US" altLang="ko-KR" sz="900" dirty="0" err="1" smtClean="0"/>
+              <a:t>argv</a:t>
+            </a:r>
+            <a:r>
+              <a:rPr lang="en-US" altLang="ko-KR" sz="900" dirty="0" smtClean="0"/>
+              <a:t>[])</a:t>
+            </a:r>
+          </a:p>
+          <a:p>
+            <a:r>
+              <a:rPr lang="en-US" altLang="ko-KR" sz="900" dirty="0" smtClean="0"/>
+              <a:t>{</a:t>
+            </a:r>
+          </a:p>
+          <a:p>
+            <a:r>
+              <a:rPr lang="en-US" altLang="ko-KR" sz="900" dirty="0" smtClean="0"/>
+              <a:t>  </a:t>
+            </a:r>
+            <a:r>
+              <a:rPr lang="en-US" altLang="ko-KR" sz="900" dirty="0" err="1" smtClean="0"/>
+              <a:t>int</a:t>
+            </a:r>
+            <a:r>
+              <a:rPr lang="en-US" altLang="ko-KR" sz="900" dirty="0" smtClean="0"/>
+              <a:t> </a:t>
+            </a:r>
+            <a:r>
+              <a:rPr lang="en-US" altLang="ko-KR" sz="900" dirty="0" err="1" smtClean="0"/>
+              <a:t>i</a:t>
+            </a:r>
+            <a:r>
+              <a:rPr lang="en-US" altLang="ko-KR" sz="900" dirty="0" smtClean="0"/>
+              <a:t>;</a:t>
+            </a:r>
+          </a:p>
+          <a:p>
+            <a:r>
+              <a:rPr lang="en-US" altLang="ko-KR" sz="900" dirty="0" smtClean="0"/>
+              <a:t>  for(</a:t>
+            </a:r>
+            <a:r>
+              <a:rPr lang="en-US" altLang="ko-KR" sz="900" dirty="0" err="1" smtClean="0"/>
+              <a:t>i</a:t>
+            </a:r>
+            <a:r>
+              <a:rPr lang="en-US" altLang="ko-KR" sz="900" dirty="0" smtClean="0"/>
+              <a:t> = 1; </a:t>
+            </a:r>
+            <a:r>
+              <a:rPr lang="en-US" altLang="ko-KR" sz="900" dirty="0" err="1" smtClean="0"/>
+              <a:t>i</a:t>
+            </a:r>
+            <a:r>
+              <a:rPr lang="en-US" altLang="ko-KR" sz="900" dirty="0" smtClean="0"/>
+              <a:t> &lt; </a:t>
+            </a:r>
+            <a:r>
+              <a:rPr lang="en-US" altLang="ko-KR" sz="900" dirty="0" err="1" smtClean="0"/>
+              <a:t>argc</a:t>
+            </a:r>
+            <a:r>
+              <a:rPr lang="en-US" altLang="ko-KR" sz="900" dirty="0" smtClean="0"/>
+              <a:t>; </a:t>
+            </a:r>
+            <a:r>
+              <a:rPr lang="en-US" altLang="ko-KR" sz="900" dirty="0" err="1" smtClean="0"/>
+              <a:t>i</a:t>
+            </a:r>
+            <a:r>
+              <a:rPr lang="en-US" altLang="ko-KR" sz="900" dirty="0" smtClean="0"/>
+              <a:t>++)</a:t>
+            </a:r>
+          </a:p>
+          <a:p>
+            <a:r>
+              <a:rPr lang="en-US" altLang="ko-KR" sz="900" dirty="0" smtClean="0"/>
+              <a:t>    </a:t>
+            </a:r>
+            <a:r>
+              <a:rPr lang="en-US" altLang="ko-KR" sz="900" dirty="0" err="1" smtClean="0"/>
+              <a:t>printf</a:t>
+            </a:r>
+            <a:r>
+              <a:rPr lang="en-US" altLang="ko-KR" sz="900" dirty="0" smtClean="0"/>
+              <a:t>(1, "%</a:t>
+            </a:r>
+            <a:r>
+              <a:rPr lang="en-US" altLang="ko-KR" sz="900" dirty="0" err="1" smtClean="0"/>
+              <a:t>s%s</a:t>
+            </a:r>
+            <a:r>
+              <a:rPr lang="en-US" altLang="ko-KR" sz="900" dirty="0" smtClean="0"/>
+              <a:t>", </a:t>
+            </a:r>
+            <a:r>
+              <a:rPr lang="en-US" altLang="ko-KR" sz="900" dirty="0" err="1" smtClean="0"/>
+              <a:t>argv</a:t>
+            </a:r>
+            <a:r>
+              <a:rPr lang="en-US" altLang="ko-KR" sz="900" dirty="0" smtClean="0"/>
+              <a:t>[</a:t>
+            </a:r>
+            <a:r>
+              <a:rPr lang="en-US" altLang="ko-KR" sz="900" dirty="0" err="1" smtClean="0"/>
+              <a:t>i</a:t>
+            </a:r>
+            <a:r>
+              <a:rPr lang="en-US" altLang="ko-KR" sz="900" dirty="0" smtClean="0"/>
+              <a:t>], i+1 &lt; </a:t>
+            </a:r>
+            <a:r>
+              <a:rPr lang="en-US" altLang="ko-KR" sz="900" dirty="0" err="1" smtClean="0"/>
+              <a:t>argc</a:t>
+            </a:r>
+            <a:r>
+              <a:rPr lang="en-US" altLang="ko-KR" sz="900" dirty="0" smtClean="0"/>
+              <a:t> ? " " : "\n");</a:t>
+            </a:r>
+          </a:p>
+          <a:p>
+            <a:r>
+              <a:rPr lang="en-US" altLang="ko-KR" sz="900" dirty="0" smtClean="0"/>
+              <a:t>  exit();</a:t>
+            </a:r>
+          </a:p>
+          <a:p>
+            <a:r>
+              <a:rPr lang="en-US" altLang="ko-KR" sz="900" dirty="0" smtClean="0"/>
+              <a:t>}</a:t>
+            </a:r>
+            <a:endParaRPr lang="ko-KR" altLang="en-US" sz="900" dirty="0"/>
+          </a:p>
+        </p:txBody>
+      </p:sp>
+      <p:sp>
+        <p:nvSpPr>
+          <p:cNvPr id="7" name="TextBox 6"/>
+          <p:cNvSpPr txBox="1"/>
+          <p:nvPr/>
+        </p:nvSpPr>
+        <p:spPr>
+          <a:xfrm>
+            <a:off x="355600" y="332343"/>
+            <a:ext cx="2051331" cy="369332"/>
+          </a:xfrm>
+          <a:prstGeom prst="rect">
+            <a:avLst/>
+          </a:prstGeom>
+          <a:noFill/>
+        </p:spPr>
+        <p:txBody>
+          <a:bodyPr wrap="none" rtlCol="0">
+            <a:spAutoFit/>
+          </a:bodyPr>
+          <a:lstStyle/>
+          <a:p>
+            <a:r>
+              <a:rPr lang="en-US" altLang="ko-KR" dirty="0" smtClean="0"/>
+              <a:t>Application (</a:t>
+            </a:r>
+            <a:r>
+              <a:rPr lang="en-US" altLang="ko-KR" dirty="0" err="1" smtClean="0"/>
+              <a:t>echo.c</a:t>
+            </a:r>
+            <a:r>
+              <a:rPr lang="en-US" altLang="ko-KR" dirty="0" smtClean="0"/>
+              <a:t>)</a:t>
+            </a:r>
+            <a:endParaRPr lang="ko-KR" altLang="en-US" dirty="0"/>
+          </a:p>
+        </p:txBody>
+      </p:sp>
+      <p:sp>
+        <p:nvSpPr>
+          <p:cNvPr id="12" name="오른쪽 화살표 11"/>
+          <p:cNvSpPr/>
+          <p:nvPr/>
+        </p:nvSpPr>
+        <p:spPr>
+          <a:xfrm>
+            <a:off x="2826148" y="1440339"/>
+            <a:ext cx="233942" cy="237182"/>
+          </a:xfrm>
+          <a:prstGeom prst="rightArrow">
+            <a:avLst/>
+          </a:prstGeom>
+        </p:spPr>
+        <p:style>
+          <a:lnRef idx="2">
+            <a:schemeClr val="accent1">
+              <a:shade val="50000"/>
+            </a:schemeClr>
+          </a:lnRef>
+          <a:fillRef idx="1">
+            <a:schemeClr val="accent1"/>
+          </a:fillRef>
+          <a:effectRef idx="0">
+            <a:schemeClr val="accent1"/>
+          </a:effectRef>
+          <a:fontRef idx="minor">
+            <a:schemeClr val="lt1"/>
+          </a:fontRef>
+        </p:style>
+        <p:txBody>
+          <a:bodyPr rtlCol="0" anchor="ctr"/>
+          <a:lstStyle/>
+          <a:p>
+            <a:pPr algn="ctr"/>
+            <a:endParaRPr lang="ko-KR" altLang="en-US"/>
+          </a:p>
+        </p:txBody>
+      </p:sp>
+      <p:sp>
+        <p:nvSpPr>
           <p:cNvPr id="14" name="TextBox 13"/>
           <p:cNvSpPr txBox="1"/>
           <p:nvPr/>
@@ -6121,15 +6396,7 @@
                   <a:srgbClr val="FF0000"/>
                 </a:solidFill>
               </a:rPr>
-              <a:t> </a:t>
-            </a:r>
-            <a:r>
-              <a:rPr lang="en-US" altLang="ko-KR" sz="1000" dirty="0" smtClean="0">
-                <a:solidFill>
-                  <a:srgbClr val="FF0000"/>
-                </a:solidFill>
-              </a:rPr>
-              <a:t>$T_SYSCALL</a:t>
+              <a:t> $T_SYSCALL</a:t>
             </a:r>
             <a:r>
               <a:rPr lang="en-US" altLang="ko-KR" sz="1000" dirty="0" smtClean="0"/>
@@ -8215,7 +8482,6 @@
               <a:rPr lang="en-US" altLang="ko-KR" sz="1200" dirty="0" smtClean="0"/>
               <a:t>ELF</a:t>
             </a:r>
-            <a:endParaRPr lang="en-US" altLang="ko-KR" sz="1200" dirty="0" smtClean="0"/>
           </a:p>
         </p:txBody>
       </p:sp>
@@ -8223,6 +8489,96 @@
     <p:extLst>
       <p:ext uri="{BB962C8B-B14F-4D97-AF65-F5344CB8AC3E}">
         <p14:creationId xmlns:p14="http://schemas.microsoft.com/office/powerpoint/2010/main" val="2867979655"/>
+      </p:ext>
+    </p:extLst>
+  </p:cSld>
+  <p:clrMapOvr>
+    <a:masterClrMapping/>
+  </p:clrMapOvr>
+</p:sld>
+</file>
+
+<file path=ppt/slides/slide4.xml><?xml version="1.0" encoding="utf-8"?>
+<p:sld xmlns:a="http://schemas.openxmlformats.org/drawingml/2006/main" xmlns:r="http://schemas.openxmlformats.org/officeDocument/2006/relationships" xmlns:p="http://schemas.openxmlformats.org/presentationml/2006/main">
+  <p:cSld>
+    <p:spTree>
+      <p:nvGrpSpPr>
+        <p:cNvPr id="1" name=""/>
+        <p:cNvGrpSpPr/>
+        <p:nvPr/>
+      </p:nvGrpSpPr>
+      <p:grpSpPr>
+        <a:xfrm>
+          <a:off x="0" y="0"/>
+          <a:ext cx="0" cy="0"/>
+          <a:chOff x="0" y="0"/>
+          <a:chExt cx="0" cy="0"/>
+        </a:xfrm>
+      </p:grpSpPr>
+      <p:sp>
+        <p:nvSpPr>
+          <p:cNvPr id="8" name="TextBox 7"/>
+          <p:cNvSpPr txBox="1"/>
+          <p:nvPr/>
+        </p:nvSpPr>
+        <p:spPr>
+          <a:xfrm>
+            <a:off x="3566764" y="1586575"/>
+            <a:ext cx="739305" cy="369332"/>
+          </a:xfrm>
+          <a:prstGeom prst="rect">
+            <a:avLst/>
+          </a:prstGeom>
+          <a:noFill/>
+        </p:spPr>
+        <p:txBody>
+          <a:bodyPr wrap="none" rtlCol="0">
+            <a:spAutoFit/>
+          </a:bodyPr>
+          <a:lstStyle/>
+          <a:p>
+            <a:r>
+              <a:rPr lang="en-US" altLang="ko-KR" dirty="0" smtClean="0"/>
+              <a:t>POSIX</a:t>
+            </a:r>
+            <a:endParaRPr lang="ko-KR" altLang="en-US" dirty="0"/>
+          </a:p>
+        </p:txBody>
+      </p:sp>
+      <p:sp>
+        <p:nvSpPr>
+          <p:cNvPr id="59" name="TextBox 58"/>
+          <p:cNvSpPr txBox="1"/>
+          <p:nvPr/>
+        </p:nvSpPr>
+        <p:spPr>
+          <a:xfrm>
+            <a:off x="5074616" y="1586575"/>
+            <a:ext cx="524439" cy="369332"/>
+          </a:xfrm>
+          <a:prstGeom prst="rect">
+            <a:avLst/>
+          </a:prstGeom>
+          <a:noFill/>
+        </p:spPr>
+        <p:txBody>
+          <a:bodyPr wrap="none" rtlCol="0">
+            <a:spAutoFit/>
+          </a:bodyPr>
+          <a:lstStyle/>
+          <a:p>
+            <a:r>
+              <a:rPr lang="en-US" altLang="ko-KR" dirty="0" smtClean="0"/>
+              <a:t>VFS</a:t>
+            </a:r>
+            <a:endParaRPr lang="ko-KR" altLang="en-US" dirty="0"/>
+          </a:p>
+        </p:txBody>
+      </p:sp>
+    </p:spTree>
+    <p:extLst>
+      <p:ext uri="{BB962C8B-B14F-4D97-AF65-F5344CB8AC3E}">
+        <p14:creationId xmlns:p14="http://schemas.microsoft.com/office/powerpoint/2010/main" val="75533994"/>
       </p:ext>
     </p:extLst>
   </p:cSld>
